--- a/Chapter2/Figures/Fig7.pptx
+++ b/Chapter2/Figures/Fig7.pptx
@@ -288,7 +288,7 @@
           <a:p>
             <a:fld id="{9CF05884-C931-4F4B-88D5-05BFBCCB7E14}" type="datetimeFigureOut">
               <a:rPr lang="en-GB" smtClean="0"/>
-              <a:t>25/06/2014</a:t>
+              <a:t>26/09/2014</a:t>
             </a:fld>
             <a:endParaRPr lang="en-GB"/>
           </a:p>
@@ -458,7 +458,7 @@
           <a:p>
             <a:fld id="{9CF05884-C931-4F4B-88D5-05BFBCCB7E14}" type="datetimeFigureOut">
               <a:rPr lang="en-GB" smtClean="0"/>
-              <a:t>25/06/2014</a:t>
+              <a:t>26/09/2014</a:t>
             </a:fld>
             <a:endParaRPr lang="en-GB"/>
           </a:p>
@@ -638,7 +638,7 @@
           <a:p>
             <a:fld id="{9CF05884-C931-4F4B-88D5-05BFBCCB7E14}" type="datetimeFigureOut">
               <a:rPr lang="en-GB" smtClean="0"/>
-              <a:t>25/06/2014</a:t>
+              <a:t>26/09/2014</a:t>
             </a:fld>
             <a:endParaRPr lang="en-GB"/>
           </a:p>
@@ -808,7 +808,7 @@
           <a:p>
             <a:fld id="{9CF05884-C931-4F4B-88D5-05BFBCCB7E14}" type="datetimeFigureOut">
               <a:rPr lang="en-GB" smtClean="0"/>
-              <a:t>25/06/2014</a:t>
+              <a:t>26/09/2014</a:t>
             </a:fld>
             <a:endParaRPr lang="en-GB"/>
           </a:p>
@@ -1054,7 +1054,7 @@
           <a:p>
             <a:fld id="{9CF05884-C931-4F4B-88D5-05BFBCCB7E14}" type="datetimeFigureOut">
               <a:rPr lang="en-GB" smtClean="0"/>
-              <a:t>25/06/2014</a:t>
+              <a:t>26/09/2014</a:t>
             </a:fld>
             <a:endParaRPr lang="en-GB"/>
           </a:p>
@@ -1342,7 +1342,7 @@
           <a:p>
             <a:fld id="{9CF05884-C931-4F4B-88D5-05BFBCCB7E14}" type="datetimeFigureOut">
               <a:rPr lang="en-GB" smtClean="0"/>
-              <a:t>25/06/2014</a:t>
+              <a:t>26/09/2014</a:t>
             </a:fld>
             <a:endParaRPr lang="en-GB"/>
           </a:p>
@@ -1769,7 +1769,7 @@
           <a:p>
             <a:fld id="{9CF05884-C931-4F4B-88D5-05BFBCCB7E14}" type="datetimeFigureOut">
               <a:rPr lang="en-GB" smtClean="0"/>
-              <a:t>25/06/2014</a:t>
+              <a:t>26/09/2014</a:t>
             </a:fld>
             <a:endParaRPr lang="en-GB"/>
           </a:p>
@@ -1887,7 +1887,7 @@
           <a:p>
             <a:fld id="{9CF05884-C931-4F4B-88D5-05BFBCCB7E14}" type="datetimeFigureOut">
               <a:rPr lang="en-GB" smtClean="0"/>
-              <a:t>25/06/2014</a:t>
+              <a:t>26/09/2014</a:t>
             </a:fld>
             <a:endParaRPr lang="en-GB"/>
           </a:p>
@@ -1982,7 +1982,7 @@
           <a:p>
             <a:fld id="{9CF05884-C931-4F4B-88D5-05BFBCCB7E14}" type="datetimeFigureOut">
               <a:rPr lang="en-GB" smtClean="0"/>
-              <a:t>25/06/2014</a:t>
+              <a:t>26/09/2014</a:t>
             </a:fld>
             <a:endParaRPr lang="en-GB"/>
           </a:p>
@@ -2259,7 +2259,7 @@
           <a:p>
             <a:fld id="{9CF05884-C931-4F4B-88D5-05BFBCCB7E14}" type="datetimeFigureOut">
               <a:rPr lang="en-GB" smtClean="0"/>
-              <a:t>25/06/2014</a:t>
+              <a:t>26/09/2014</a:t>
             </a:fld>
             <a:endParaRPr lang="en-GB"/>
           </a:p>
@@ -2512,7 +2512,7 @@
           <a:p>
             <a:fld id="{9CF05884-C931-4F4B-88D5-05BFBCCB7E14}" type="datetimeFigureOut">
               <a:rPr lang="en-GB" smtClean="0"/>
-              <a:t>25/06/2014</a:t>
+              <a:t>26/09/2014</a:t>
             </a:fld>
             <a:endParaRPr lang="en-GB"/>
           </a:p>
@@ -2725,7 +2725,7 @@
           <a:p>
             <a:fld id="{9CF05884-C931-4F4B-88D5-05BFBCCB7E14}" type="datetimeFigureOut">
               <a:rPr lang="en-GB" smtClean="0"/>
-              <a:t>25/06/2014</a:t>
+              <a:t>26/09/2014</a:t>
             </a:fld>
             <a:endParaRPr lang="en-GB"/>
           </a:p>
@@ -3100,60 +3100,1563 @@
           <a:chExt cx="0" cy="0"/>
         </a:xfrm>
       </p:grpSpPr>
-      <p:pic>
-        <p:nvPicPr>
-          <p:cNvPr id="7" name="Picture 2"/>
-          <p:cNvPicPr>
-            <a:picLocks noChangeAspect="1" noChangeArrowheads="1"/>
-          </p:cNvPicPr>
+      <p:grpSp>
+        <p:nvGrpSpPr>
+          <p:cNvPr id="45" name="Group 44"/>
+          <p:cNvGrpSpPr/>
           <p:nvPr/>
-        </p:nvPicPr>
-        <p:blipFill>
-          <a:blip r:embed="rId2">
+        </p:nvGrpSpPr>
+        <p:grpSpPr>
+          <a:xfrm>
+            <a:off x="0" y="28948"/>
+            <a:ext cx="6530778" cy="5641403"/>
+            <a:chOff x="1698822" y="911797"/>
+            <a:chExt cx="6530778" cy="5641403"/>
+          </a:xfrm>
+        </p:grpSpPr>
+        <p:pic>
+          <p:nvPicPr>
+            <p:cNvPr id="46" name="Picture 2"/>
+            <p:cNvPicPr>
+              <a:picLocks noChangeAspect="1" noChangeArrowheads="1"/>
+            </p:cNvPicPr>
+            <p:nvPr/>
+          </p:nvPicPr>
+          <p:blipFill rotWithShape="1">
+            <a:blip r:embed="rId2" cstate="print">
+              <a:extLst>
+                <a:ext uri="{28A0092B-C50C-407E-A947-70E740481C1C}">
+                  <a14:useLocalDpi xmlns:a14="http://schemas.microsoft.com/office/drawing/2010/main" val="0"/>
+                </a:ext>
+              </a:extLst>
+            </a:blip>
+            <a:srcRect l="27420" t="49933" r="29403"/>
+            <a:stretch/>
+          </p:blipFill>
+          <p:spPr bwMode="auto">
+            <a:xfrm>
+              <a:off x="6054261" y="911797"/>
+              <a:ext cx="1830223" cy="1084670"/>
+            </a:xfrm>
+            <a:prstGeom prst="rect">
+              <a:avLst/>
+            </a:prstGeom>
+            <a:noFill/>
+            <a:ln>
+              <a:noFill/>
+            </a:ln>
             <a:extLst>
-              <a:ext uri="{28A0092B-C50C-407E-A947-70E740481C1C}">
-                <a14:useLocalDpi xmlns:a14="http://schemas.microsoft.com/office/drawing/2010/main" val="0"/>
+              <a:ext uri="{909E8E84-426E-40DD-AFC4-6F175D3DCCD1}">
+                <a14:hiddenFill xmlns:a14="http://schemas.microsoft.com/office/drawing/2010/main">
+                  <a:solidFill>
+                    <a:schemeClr val="accent1"/>
+                  </a:solidFill>
+                </a14:hiddenFill>
+              </a:ext>
+              <a:ext uri="{91240B29-F687-4F45-9708-019B960494DF}">
+                <a14:hiddenLine xmlns:a14="http://schemas.microsoft.com/office/drawing/2010/main" w="9525">
+                  <a:solidFill>
+                    <a:schemeClr val="tx1"/>
+                  </a:solidFill>
+                  <a:miter lim="800000"/>
+                  <a:headEnd/>
+                  <a:tailEnd/>
+                </a14:hiddenLine>
               </a:ext>
             </a:extLst>
-          </a:blip>
-          <a:srcRect/>
-          <a:stretch>
-            <a:fillRect/>
-          </a:stretch>
-        </p:blipFill>
-        <p:spPr bwMode="auto">
-          <a:xfrm>
-            <a:off x="-92466" y="23568"/>
-            <a:ext cx="6648450" cy="5486400"/>
-          </a:xfrm>
-          <a:prstGeom prst="rect">
-            <a:avLst/>
-          </a:prstGeom>
-          <a:noFill/>
-          <a:ln>
+          </p:spPr>
+        </p:pic>
+        <p:grpSp>
+          <p:nvGrpSpPr>
+            <p:cNvPr id="47" name="Group 46"/>
+            <p:cNvGrpSpPr/>
+            <p:nvPr/>
+          </p:nvGrpSpPr>
+          <p:grpSpPr>
+            <a:xfrm>
+              <a:off x="4177118" y="918470"/>
+              <a:ext cx="1173769" cy="590830"/>
+              <a:chOff x="3725715" y="384529"/>
+              <a:chExt cx="1653613" cy="832365"/>
+            </a:xfrm>
+          </p:grpSpPr>
+          <p:pic>
+            <p:nvPicPr>
+              <p:cNvPr id="83" name="Picture 10"/>
+              <p:cNvPicPr>
+                <a:picLocks noChangeAspect="1" noChangeArrowheads="1"/>
+              </p:cNvPicPr>
+              <p:nvPr/>
+            </p:nvPicPr>
+            <p:blipFill rotWithShape="1">
+              <a:blip r:embed="rId3" cstate="print">
+                <a:extLst>
+                  <a:ext uri="{28A0092B-C50C-407E-A947-70E740481C1C}">
+                    <a14:useLocalDpi xmlns:a14="http://schemas.microsoft.com/office/drawing/2010/main" val="0"/>
+                  </a:ext>
+                </a:extLst>
+              </a:blip>
+              <a:srcRect l="35253" t="2777" r="29493" b="2149"/>
+              <a:stretch/>
+            </p:blipFill>
+            <p:spPr bwMode="auto">
+              <a:xfrm>
+                <a:off x="3725715" y="384529"/>
+                <a:ext cx="657997" cy="828000"/>
+              </a:xfrm>
+              <a:prstGeom prst="rect">
+                <a:avLst/>
+              </a:prstGeom>
+              <a:noFill/>
+              <a:ln>
+                <a:noFill/>
+              </a:ln>
+              <a:extLst>
+                <a:ext uri="{909E8E84-426E-40DD-AFC4-6F175D3DCCD1}">
+                  <a14:hiddenFill xmlns:a14="http://schemas.microsoft.com/office/drawing/2010/main">
+                    <a:solidFill>
+                      <a:schemeClr val="accent1"/>
+                    </a:solidFill>
+                  </a14:hiddenFill>
+                </a:ext>
+                <a:ext uri="{91240B29-F687-4F45-9708-019B960494DF}">
+                  <a14:hiddenLine xmlns:a14="http://schemas.microsoft.com/office/drawing/2010/main" w="9525">
+                    <a:solidFill>
+                      <a:schemeClr val="tx1"/>
+                    </a:solidFill>
+                    <a:miter lim="800000"/>
+                    <a:headEnd/>
+                    <a:tailEnd/>
+                  </a14:hiddenLine>
+                </a:ext>
+              </a:extLst>
+            </p:spPr>
+          </p:pic>
+          <p:pic>
+            <p:nvPicPr>
+              <p:cNvPr id="84" name="Picture 10"/>
+              <p:cNvPicPr>
+                <a:picLocks noChangeAspect="1" noChangeArrowheads="1"/>
+              </p:cNvPicPr>
+              <p:nvPr/>
+            </p:nvPicPr>
+            <p:blipFill rotWithShape="1">
+              <a:blip r:embed="rId3" cstate="print">
+                <a:extLst>
+                  <a:ext uri="{28A0092B-C50C-407E-A947-70E740481C1C}">
+                    <a14:useLocalDpi xmlns:a14="http://schemas.microsoft.com/office/drawing/2010/main" val="0"/>
+                  </a:ext>
+                </a:extLst>
+              </a:blip>
+              <a:srcRect l="35253" t="2777" r="29493" b="2149"/>
+              <a:stretch/>
+            </p:blipFill>
+            <p:spPr bwMode="auto">
+              <a:xfrm>
+                <a:off x="4721331" y="388894"/>
+                <a:ext cx="657997" cy="828000"/>
+              </a:xfrm>
+              <a:prstGeom prst="rect">
+                <a:avLst/>
+              </a:prstGeom>
+              <a:noFill/>
+              <a:ln>
+                <a:noFill/>
+              </a:ln>
+              <a:extLst>
+                <a:ext uri="{909E8E84-426E-40DD-AFC4-6F175D3DCCD1}">
+                  <a14:hiddenFill xmlns:a14="http://schemas.microsoft.com/office/drawing/2010/main">
+                    <a:solidFill>
+                      <a:schemeClr val="accent1"/>
+                    </a:solidFill>
+                  </a14:hiddenFill>
+                </a:ext>
+                <a:ext uri="{91240B29-F687-4F45-9708-019B960494DF}">
+                  <a14:hiddenLine xmlns:a14="http://schemas.microsoft.com/office/drawing/2010/main" w="9525">
+                    <a:solidFill>
+                      <a:schemeClr val="tx1"/>
+                    </a:solidFill>
+                    <a:miter lim="800000"/>
+                    <a:headEnd/>
+                    <a:tailEnd/>
+                  </a14:hiddenLine>
+                </a:ext>
+              </a:extLst>
+            </p:spPr>
+          </p:pic>
+        </p:grpSp>
+        <p:sp>
+          <p:nvSpPr>
+            <p:cNvPr id="48" name="TextBox 47"/>
+            <p:cNvSpPr txBox="1"/>
+            <p:nvPr/>
+          </p:nvSpPr>
+          <p:spPr>
+            <a:xfrm>
+              <a:off x="2545080" y="1101228"/>
+              <a:ext cx="531332" cy="340879"/>
+            </a:xfrm>
+            <a:prstGeom prst="rect">
+              <a:avLst/>
+            </a:prstGeom>
             <a:noFill/>
-          </a:ln>
-          <a:extLst>
-            <a:ext uri="{909E8E84-426E-40DD-AFC4-6F175D3DCCD1}">
-              <a14:hiddenFill xmlns:a14="http://schemas.microsoft.com/office/drawing/2010/main">
-                <a:solidFill>
-                  <a:schemeClr val="accent1"/>
-                </a:solidFill>
-              </a14:hiddenFill>
-            </a:ext>
-            <a:ext uri="{91240B29-F687-4F45-9708-019B960494DF}">
-              <a14:hiddenLine xmlns:a14="http://schemas.microsoft.com/office/drawing/2010/main" w="9525">
-                <a:solidFill>
-                  <a:schemeClr val="tx1"/>
-                </a:solidFill>
-                <a:miter lim="800000"/>
-                <a:headEnd/>
-                <a:tailEnd/>
-              </a14:hiddenLine>
-            </a:ext>
-          </a:extLst>
-        </p:spPr>
-      </p:pic>
+          </p:spPr>
+          <p:txBody>
+            <a:bodyPr wrap="none" rtlCol="0">
+              <a:spAutoFit/>
+            </a:bodyPr>
+            <a:lstStyle/>
+            <a:p>
+              <a:r>
+                <a:rPr lang="en-US" sz="1600" b="1" dirty="0" smtClean="0"/>
+                <a:t>PbI</a:t>
+              </a:r>
+              <a:r>
+                <a:rPr lang="en-US" sz="1600" b="1" baseline="-25000" dirty="0" smtClean="0"/>
+                <a:t>2</a:t>
+              </a:r>
+              <a:endParaRPr lang="en-IN" sz="1600" b="1" baseline="-25000" dirty="0"/>
+            </a:p>
+          </p:txBody>
+        </p:sp>
+        <p:sp>
+          <p:nvSpPr>
+            <p:cNvPr id="49" name="TextBox 48"/>
+            <p:cNvSpPr txBox="1"/>
+            <p:nvPr/>
+          </p:nvSpPr>
+          <p:spPr>
+            <a:xfrm rot="16200000">
+              <a:off x="1498523" y="1927634"/>
+              <a:ext cx="710487" cy="309890"/>
+            </a:xfrm>
+            <a:prstGeom prst="rect">
+              <a:avLst/>
+            </a:prstGeom>
+            <a:noFill/>
+          </p:spPr>
+          <p:txBody>
+            <a:bodyPr wrap="none" rtlCol="0">
+              <a:spAutoFit/>
+            </a:bodyPr>
+            <a:lstStyle/>
+            <a:p>
+              <a:r>
+                <a:rPr lang="en-US" sz="1400" b="1" dirty="0" smtClean="0"/>
+                <a:t>~6.97Å</a:t>
+              </a:r>
+              <a:endParaRPr lang="en-IN" sz="1400" b="1" dirty="0"/>
+            </a:p>
+          </p:txBody>
+        </p:sp>
+        <p:sp>
+          <p:nvSpPr>
+            <p:cNvPr id="50" name="TextBox 49"/>
+            <p:cNvSpPr txBox="1"/>
+            <p:nvPr/>
+          </p:nvSpPr>
+          <p:spPr>
+            <a:xfrm>
+              <a:off x="2590594" y="2691435"/>
+              <a:ext cx="416738" cy="340879"/>
+            </a:xfrm>
+            <a:prstGeom prst="rect">
+              <a:avLst/>
+            </a:prstGeom>
+            <a:noFill/>
+          </p:spPr>
+          <p:txBody>
+            <a:bodyPr wrap="none" rtlCol="0">
+              <a:spAutoFit/>
+            </a:bodyPr>
+            <a:lstStyle/>
+            <a:p>
+              <a:r>
+                <a:rPr lang="en-US" sz="1600" b="1" dirty="0"/>
+                <a:t>(</a:t>
+              </a:r>
+              <a:r>
+                <a:rPr lang="en-US" sz="1600" b="1" dirty="0" smtClean="0"/>
+                <a:t>a</a:t>
+              </a:r>
+              <a:r>
+                <a:rPr lang="en-US" sz="1600" b="1" dirty="0"/>
+                <a:t>)</a:t>
+              </a:r>
+              <a:endParaRPr lang="en-IN" sz="1600" b="1" dirty="0"/>
+            </a:p>
+          </p:txBody>
+        </p:sp>
+        <p:sp>
+          <p:nvSpPr>
+            <p:cNvPr id="51" name="TextBox 50"/>
+            <p:cNvSpPr txBox="1"/>
+            <p:nvPr/>
+          </p:nvSpPr>
+          <p:spPr>
+            <a:xfrm>
+              <a:off x="4442414" y="2670211"/>
+              <a:ext cx="426422" cy="340879"/>
+            </a:xfrm>
+            <a:prstGeom prst="rect">
+              <a:avLst/>
+            </a:prstGeom>
+            <a:noFill/>
+          </p:spPr>
+          <p:txBody>
+            <a:bodyPr wrap="none" rtlCol="0">
+              <a:spAutoFit/>
+            </a:bodyPr>
+            <a:lstStyle/>
+            <a:p>
+              <a:r>
+                <a:rPr lang="en-US" sz="1600" b="1" dirty="0"/>
+                <a:t>(</a:t>
+              </a:r>
+              <a:r>
+                <a:rPr lang="en-US" sz="1600" b="1" dirty="0" smtClean="0"/>
+                <a:t>b</a:t>
+              </a:r>
+              <a:r>
+                <a:rPr lang="en-US" sz="1600" b="1" dirty="0"/>
+                <a:t>)</a:t>
+              </a:r>
+              <a:endParaRPr lang="en-IN" sz="1600" b="1" dirty="0"/>
+            </a:p>
+          </p:txBody>
+        </p:sp>
+        <p:sp>
+          <p:nvSpPr>
+            <p:cNvPr id="52" name="TextBox 51"/>
+            <p:cNvSpPr txBox="1"/>
+            <p:nvPr/>
+          </p:nvSpPr>
+          <p:spPr>
+            <a:xfrm>
+              <a:off x="6684389" y="2667420"/>
+              <a:ext cx="402211" cy="330853"/>
+            </a:xfrm>
+            <a:prstGeom prst="rect">
+              <a:avLst/>
+            </a:prstGeom>
+            <a:noFill/>
+          </p:spPr>
+          <p:txBody>
+            <a:bodyPr wrap="none" rtlCol="0">
+              <a:spAutoFit/>
+            </a:bodyPr>
+            <a:lstStyle/>
+            <a:p>
+              <a:r>
+                <a:rPr lang="en-US" sz="1600" b="1" dirty="0"/>
+                <a:t>(</a:t>
+              </a:r>
+              <a:r>
+                <a:rPr lang="en-US" sz="1600" b="1" dirty="0" smtClean="0"/>
+                <a:t>c)</a:t>
+              </a:r>
+              <a:endParaRPr lang="en-IN" sz="1600" b="1" dirty="0"/>
+            </a:p>
+          </p:txBody>
+        </p:sp>
+        <p:sp>
+          <p:nvSpPr>
+            <p:cNvPr id="53" name="TextBox 52"/>
+            <p:cNvSpPr txBox="1"/>
+            <p:nvPr/>
+          </p:nvSpPr>
+          <p:spPr>
+            <a:xfrm>
+              <a:off x="6576168" y="6163067"/>
+              <a:ext cx="426422" cy="340879"/>
+            </a:xfrm>
+            <a:prstGeom prst="rect">
+              <a:avLst/>
+            </a:prstGeom>
+            <a:noFill/>
+          </p:spPr>
+          <p:txBody>
+            <a:bodyPr wrap="none" rtlCol="0">
+              <a:spAutoFit/>
+            </a:bodyPr>
+            <a:lstStyle/>
+            <a:p>
+              <a:r>
+                <a:rPr lang="en-US" sz="1600" b="1" dirty="0"/>
+                <a:t>(</a:t>
+              </a:r>
+              <a:r>
+                <a:rPr lang="en-US" sz="1600" b="1" dirty="0" smtClean="0"/>
+                <a:t>d)</a:t>
+              </a:r>
+              <a:endParaRPr lang="en-IN" sz="1600" b="1" dirty="0"/>
+            </a:p>
+          </p:txBody>
+        </p:sp>
+        <p:cxnSp>
+          <p:nvCxnSpPr>
+            <p:cNvPr id="54" name="Straight Arrow Connector 53"/>
+            <p:cNvCxnSpPr/>
+            <p:nvPr/>
+          </p:nvCxnSpPr>
+          <p:spPr>
+            <a:xfrm>
+              <a:off x="6717491" y="1551456"/>
+              <a:ext cx="0" cy="434410"/>
+            </a:xfrm>
+            <a:prstGeom prst="straightConnector1">
+              <a:avLst/>
+            </a:prstGeom>
+            <a:ln w="25400">
+              <a:solidFill>
+                <a:srgbClr val="FF0000"/>
+              </a:solidFill>
+              <a:prstDash val="sysDash"/>
+              <a:tailEnd type="arrow"/>
+            </a:ln>
+            <a:effectLst/>
+          </p:spPr>
+          <p:style>
+            <a:lnRef idx="2">
+              <a:schemeClr val="dk1"/>
+            </a:lnRef>
+            <a:fillRef idx="0">
+              <a:schemeClr val="dk1"/>
+            </a:fillRef>
+            <a:effectRef idx="1">
+              <a:schemeClr val="dk1"/>
+            </a:effectRef>
+            <a:fontRef idx="minor">
+              <a:schemeClr val="tx1"/>
+            </a:fontRef>
+          </p:style>
+        </p:cxnSp>
+        <p:cxnSp>
+          <p:nvCxnSpPr>
+            <p:cNvPr id="55" name="Straight Arrow Connector 54"/>
+            <p:cNvCxnSpPr/>
+            <p:nvPr/>
+          </p:nvCxnSpPr>
+          <p:spPr>
+            <a:xfrm>
+              <a:off x="7238523" y="1551456"/>
+              <a:ext cx="0" cy="434410"/>
+            </a:xfrm>
+            <a:prstGeom prst="straightConnector1">
+              <a:avLst/>
+            </a:prstGeom>
+            <a:ln w="25400">
+              <a:solidFill>
+                <a:srgbClr val="FF0000"/>
+              </a:solidFill>
+              <a:prstDash val="sysDash"/>
+              <a:tailEnd type="arrow"/>
+            </a:ln>
+            <a:effectLst/>
+          </p:spPr>
+          <p:style>
+            <a:lnRef idx="2">
+              <a:schemeClr val="dk1"/>
+            </a:lnRef>
+            <a:fillRef idx="0">
+              <a:schemeClr val="dk1"/>
+            </a:fillRef>
+            <a:effectRef idx="1">
+              <a:schemeClr val="dk1"/>
+            </a:effectRef>
+            <a:fontRef idx="minor">
+              <a:schemeClr val="tx1"/>
+            </a:fontRef>
+          </p:style>
+        </p:cxnSp>
+        <p:sp>
+          <p:nvSpPr>
+            <p:cNvPr id="56" name="TextBox 55"/>
+            <p:cNvSpPr txBox="1"/>
+            <p:nvPr/>
+          </p:nvSpPr>
+          <p:spPr>
+            <a:xfrm>
+              <a:off x="7406346" y="5075630"/>
+              <a:ext cx="823254" cy="402857"/>
+            </a:xfrm>
+            <a:prstGeom prst="rect">
+              <a:avLst/>
+            </a:prstGeom>
+            <a:noFill/>
+          </p:spPr>
+          <p:txBody>
+            <a:bodyPr wrap="square" rtlCol="0">
+              <a:spAutoFit/>
+            </a:bodyPr>
+            <a:lstStyle/>
+            <a:p>
+              <a:pPr algn="ctr"/>
+              <a:r>
+                <a:rPr lang="en-US" sz="1000" b="1" dirty="0" err="1" smtClean="0"/>
+                <a:t>Pb</a:t>
+              </a:r>
+              <a:r>
+                <a:rPr lang="en-US" sz="1000" b="1" dirty="0" smtClean="0"/>
+                <a:t>-I layers exfoliation</a:t>
+              </a:r>
+              <a:endParaRPr lang="en-IN" sz="1000" b="1" dirty="0"/>
+            </a:p>
+          </p:txBody>
+        </p:sp>
+        <p:pic>
+          <p:nvPicPr>
+            <p:cNvPr id="57" name="Picture 3"/>
+            <p:cNvPicPr>
+              <a:picLocks noChangeAspect="1" noChangeArrowheads="1"/>
+            </p:cNvPicPr>
+            <p:nvPr/>
+          </p:nvPicPr>
+          <p:blipFill rotWithShape="1">
+            <a:blip r:embed="rId4" cstate="print">
+              <a:extLst>
+                <a:ext uri="{28A0092B-C50C-407E-A947-70E740481C1C}">
+                  <a14:useLocalDpi xmlns:a14="http://schemas.microsoft.com/office/drawing/2010/main" val="0"/>
+                </a:ext>
+              </a:extLst>
+            </a:blip>
+            <a:srcRect l="32022" t="21117" r="33989" b="57507"/>
+            <a:stretch/>
+          </p:blipFill>
+          <p:spPr bwMode="auto">
+            <a:xfrm>
+              <a:off x="6194806" y="2200086"/>
+              <a:ext cx="1482106" cy="476401"/>
+            </a:xfrm>
+            <a:prstGeom prst="rect">
+              <a:avLst/>
+            </a:prstGeom>
+            <a:noFill/>
+            <a:ln>
+              <a:noFill/>
+            </a:ln>
+            <a:extLst>
+              <a:ext uri="{909E8E84-426E-40DD-AFC4-6F175D3DCCD1}">
+                <a14:hiddenFill xmlns:a14="http://schemas.microsoft.com/office/drawing/2010/main">
+                  <a:solidFill>
+                    <a:schemeClr val="accent1"/>
+                  </a:solidFill>
+                </a14:hiddenFill>
+              </a:ext>
+              <a:ext uri="{91240B29-F687-4F45-9708-019B960494DF}">
+                <a14:hiddenLine xmlns:a14="http://schemas.microsoft.com/office/drawing/2010/main" w="9525">
+                  <a:solidFill>
+                    <a:schemeClr val="tx1"/>
+                  </a:solidFill>
+                  <a:miter lim="800000"/>
+                  <a:headEnd/>
+                  <a:tailEnd/>
+                </a14:hiddenLine>
+              </a:ext>
+            </a:extLst>
+          </p:spPr>
+        </p:pic>
+        <p:pic>
+          <p:nvPicPr>
+            <p:cNvPr id="58" name="Picture 4"/>
+            <p:cNvPicPr>
+              <a:picLocks noChangeAspect="1" noChangeArrowheads="1"/>
+            </p:cNvPicPr>
+            <p:nvPr/>
+          </p:nvPicPr>
+          <p:blipFill rotWithShape="1">
+            <a:blip r:embed="rId5" cstate="print">
+              <a:extLst>
+                <a:ext uri="{28A0092B-C50C-407E-A947-70E740481C1C}">
+                  <a14:useLocalDpi xmlns:a14="http://schemas.microsoft.com/office/drawing/2010/main" val="0"/>
+                </a:ext>
+              </a:extLst>
+            </a:blip>
+            <a:srcRect l="20274" t="3870" r="22360" b="5567"/>
+            <a:stretch/>
+          </p:blipFill>
+          <p:spPr bwMode="auto">
+            <a:xfrm>
+              <a:off x="2088592" y="1497034"/>
+              <a:ext cx="1423198" cy="1148319"/>
+            </a:xfrm>
+            <a:prstGeom prst="rect">
+              <a:avLst/>
+            </a:prstGeom>
+            <a:noFill/>
+            <a:ln>
+              <a:noFill/>
+            </a:ln>
+            <a:extLst>
+              <a:ext uri="{909E8E84-426E-40DD-AFC4-6F175D3DCCD1}">
+                <a14:hiddenFill xmlns:a14="http://schemas.microsoft.com/office/drawing/2010/main">
+                  <a:solidFill>
+                    <a:schemeClr val="accent1"/>
+                  </a:solidFill>
+                </a14:hiddenFill>
+              </a:ext>
+              <a:ext uri="{91240B29-F687-4F45-9708-019B960494DF}">
+                <a14:hiddenLine xmlns:a14="http://schemas.microsoft.com/office/drawing/2010/main" w="9525">
+                  <a:solidFill>
+                    <a:schemeClr val="tx1"/>
+                  </a:solidFill>
+                  <a:miter lim="800000"/>
+                  <a:headEnd/>
+                  <a:tailEnd/>
+                </a14:hiddenLine>
+              </a:ext>
+            </a:extLst>
+          </p:spPr>
+        </p:pic>
+        <p:sp>
+          <p:nvSpPr>
+            <p:cNvPr id="59" name="Left Brace 58"/>
+            <p:cNvSpPr/>
+            <p:nvPr/>
+          </p:nvSpPr>
+          <p:spPr>
+            <a:xfrm>
+              <a:off x="1989547" y="1751774"/>
+              <a:ext cx="143905" cy="638839"/>
+            </a:xfrm>
+            <a:prstGeom prst="leftBrace">
+              <a:avLst/>
+            </a:prstGeom>
+            <a:ln w="25400">
+              <a:solidFill>
+                <a:schemeClr val="tx1"/>
+              </a:solidFill>
+            </a:ln>
+            <a:effectLst/>
+          </p:spPr>
+          <p:style>
+            <a:lnRef idx="1">
+              <a:schemeClr val="accent1"/>
+            </a:lnRef>
+            <a:fillRef idx="0">
+              <a:schemeClr val="accent1"/>
+            </a:fillRef>
+            <a:effectRef idx="0">
+              <a:schemeClr val="accent1"/>
+            </a:effectRef>
+            <a:fontRef idx="minor">
+              <a:schemeClr val="tx1"/>
+            </a:fontRef>
+          </p:style>
+          <p:txBody>
+            <a:bodyPr rtlCol="0" anchor="ctr"/>
+            <a:lstStyle/>
+            <a:p>
+              <a:pPr algn="ctr"/>
+              <a:endParaRPr lang="en-IN"/>
+            </a:p>
+          </p:txBody>
+        </p:sp>
+        <p:pic>
+          <p:nvPicPr>
+            <p:cNvPr id="60" name="Picture 4"/>
+            <p:cNvPicPr>
+              <a:picLocks noChangeAspect="1" noChangeArrowheads="1"/>
+            </p:cNvPicPr>
+            <p:nvPr/>
+          </p:nvPicPr>
+          <p:blipFill rotWithShape="1">
+            <a:blip r:embed="rId5" cstate="print">
+              <a:extLst>
+                <a:ext uri="{28A0092B-C50C-407E-A947-70E740481C1C}">
+                  <a14:useLocalDpi xmlns:a14="http://schemas.microsoft.com/office/drawing/2010/main" val="0"/>
+                </a:ext>
+              </a:extLst>
+            </a:blip>
+            <a:srcRect l="20274" t="3870" r="22360" b="5567"/>
+            <a:stretch/>
+          </p:blipFill>
+          <p:spPr bwMode="auto">
+            <a:xfrm>
+              <a:off x="3998904" y="1506202"/>
+              <a:ext cx="1423198" cy="1148319"/>
+            </a:xfrm>
+            <a:prstGeom prst="rect">
+              <a:avLst/>
+            </a:prstGeom>
+            <a:noFill/>
+            <a:ln>
+              <a:noFill/>
+            </a:ln>
+            <a:extLst>
+              <a:ext uri="{909E8E84-426E-40DD-AFC4-6F175D3DCCD1}">
+                <a14:hiddenFill xmlns:a14="http://schemas.microsoft.com/office/drawing/2010/main">
+                  <a:solidFill>
+                    <a:schemeClr val="accent1"/>
+                  </a:solidFill>
+                </a14:hiddenFill>
+              </a:ext>
+              <a:ext uri="{91240B29-F687-4F45-9708-019B960494DF}">
+                <a14:hiddenLine xmlns:a14="http://schemas.microsoft.com/office/drawing/2010/main" w="9525">
+                  <a:solidFill>
+                    <a:schemeClr val="tx1"/>
+                  </a:solidFill>
+                  <a:miter lim="800000"/>
+                  <a:headEnd/>
+                  <a:tailEnd/>
+                </a14:hiddenLine>
+              </a:ext>
+            </a:extLst>
+          </p:spPr>
+        </p:pic>
+        <p:pic>
+          <p:nvPicPr>
+            <p:cNvPr id="61" name="Picture 3"/>
+            <p:cNvPicPr>
+              <a:picLocks noChangeAspect="1" noChangeArrowheads="1"/>
+            </p:cNvPicPr>
+            <p:nvPr/>
+          </p:nvPicPr>
+          <p:blipFill rotWithShape="1">
+            <a:blip r:embed="rId6" cstate="print">
+              <a:extLst>
+                <a:ext uri="{28A0092B-C50C-407E-A947-70E740481C1C}">
+                  <a14:useLocalDpi xmlns:a14="http://schemas.microsoft.com/office/drawing/2010/main" val="0"/>
+                </a:ext>
+              </a:extLst>
+            </a:blip>
+            <a:srcRect l="32022" t="21117" r="33989" b="57507"/>
+            <a:stretch/>
+          </p:blipFill>
+          <p:spPr bwMode="auto">
+            <a:xfrm>
+              <a:off x="5986405" y="5653810"/>
+              <a:ext cx="1584320" cy="509258"/>
+            </a:xfrm>
+            <a:prstGeom prst="rect">
+              <a:avLst/>
+            </a:prstGeom>
+            <a:noFill/>
+            <a:ln>
+              <a:noFill/>
+            </a:ln>
+            <a:extLst>
+              <a:ext uri="{909E8E84-426E-40DD-AFC4-6F175D3DCCD1}">
+                <a14:hiddenFill xmlns:a14="http://schemas.microsoft.com/office/drawing/2010/main">
+                  <a:solidFill>
+                    <a:schemeClr val="accent1"/>
+                  </a:solidFill>
+                </a14:hiddenFill>
+              </a:ext>
+              <a:ext uri="{91240B29-F687-4F45-9708-019B960494DF}">
+                <a14:hiddenLine xmlns:a14="http://schemas.microsoft.com/office/drawing/2010/main" w="9525">
+                  <a:solidFill>
+                    <a:schemeClr val="tx1"/>
+                  </a:solidFill>
+                  <a:miter lim="800000"/>
+                  <a:headEnd/>
+                  <a:tailEnd/>
+                </a14:hiddenLine>
+              </a:ext>
+            </a:extLst>
+          </p:spPr>
+        </p:pic>
+        <p:sp>
+          <p:nvSpPr>
+            <p:cNvPr id="62" name="TextBox 61"/>
+            <p:cNvSpPr txBox="1"/>
+            <p:nvPr/>
+          </p:nvSpPr>
+          <p:spPr>
+            <a:xfrm>
+              <a:off x="3402516" y="1456314"/>
+              <a:ext cx="719097" cy="557801"/>
+            </a:xfrm>
+            <a:prstGeom prst="rect">
+              <a:avLst/>
+            </a:prstGeom>
+            <a:noFill/>
+          </p:spPr>
+          <p:txBody>
+            <a:bodyPr wrap="square" rtlCol="0">
+              <a:spAutoFit/>
+            </a:bodyPr>
+            <a:lstStyle/>
+            <a:p>
+              <a:pPr algn="ctr"/>
+              <a:r>
+                <a:rPr lang="en-US" sz="1000" b="1" dirty="0" smtClean="0"/>
+                <a:t>top layer exposed to organic</a:t>
+              </a:r>
+              <a:endParaRPr lang="en-IN" sz="1000" b="1" dirty="0"/>
+            </a:p>
+          </p:txBody>
+        </p:sp>
+        <p:sp>
+          <p:nvSpPr>
+            <p:cNvPr id="63" name="TextBox 62"/>
+            <p:cNvSpPr txBox="1"/>
+            <p:nvPr/>
+          </p:nvSpPr>
+          <p:spPr>
+            <a:xfrm>
+              <a:off x="5376461" y="2104995"/>
+              <a:ext cx="843919" cy="867691"/>
+            </a:xfrm>
+            <a:prstGeom prst="rect">
+              <a:avLst/>
+            </a:prstGeom>
+            <a:noFill/>
+          </p:spPr>
+          <p:txBody>
+            <a:bodyPr wrap="square" rtlCol="0">
+              <a:spAutoFit/>
+            </a:bodyPr>
+            <a:lstStyle/>
+            <a:p>
+              <a:pPr algn="ctr"/>
+              <a:r>
+                <a:rPr lang="en-US" sz="1000" dirty="0" smtClean="0"/>
+                <a:t>Organic intercalation  via interstitial spaces </a:t>
+              </a:r>
+              <a:endParaRPr lang="en-IN" sz="1000" dirty="0"/>
+            </a:p>
+          </p:txBody>
+        </p:sp>
+        <p:pic>
+          <p:nvPicPr>
+            <p:cNvPr id="64" name="Picture 2"/>
+            <p:cNvPicPr>
+              <a:picLocks noChangeAspect="1" noChangeArrowheads="1"/>
+            </p:cNvPicPr>
+            <p:nvPr/>
+          </p:nvPicPr>
+          <p:blipFill rotWithShape="1">
+            <a:blip r:embed="rId2" cstate="print">
+              <a:extLst>
+                <a:ext uri="{28A0092B-C50C-407E-A947-70E740481C1C}">
+                  <a14:useLocalDpi xmlns:a14="http://schemas.microsoft.com/office/drawing/2010/main" val="0"/>
+                </a:ext>
+              </a:extLst>
+            </a:blip>
+            <a:srcRect l="27420" t="49933" r="29403"/>
+            <a:stretch/>
+          </p:blipFill>
+          <p:spPr bwMode="auto">
+            <a:xfrm>
+              <a:off x="5793567" y="3945445"/>
+              <a:ext cx="1830223" cy="1084670"/>
+            </a:xfrm>
+            <a:prstGeom prst="rect">
+              <a:avLst/>
+            </a:prstGeom>
+            <a:noFill/>
+            <a:ln>
+              <a:noFill/>
+            </a:ln>
+            <a:extLst>
+              <a:ext uri="{909E8E84-426E-40DD-AFC4-6F175D3DCCD1}">
+                <a14:hiddenFill xmlns:a14="http://schemas.microsoft.com/office/drawing/2010/main">
+                  <a:solidFill>
+                    <a:schemeClr val="accent1"/>
+                  </a:solidFill>
+                </a14:hiddenFill>
+              </a:ext>
+              <a:ext uri="{91240B29-F687-4F45-9708-019B960494DF}">
+                <a14:hiddenLine xmlns:a14="http://schemas.microsoft.com/office/drawing/2010/main" w="9525">
+                  <a:solidFill>
+                    <a:schemeClr val="tx1"/>
+                  </a:solidFill>
+                  <a:miter lim="800000"/>
+                  <a:headEnd/>
+                  <a:tailEnd/>
+                </a14:hiddenLine>
+              </a:ext>
+            </a:extLst>
+          </p:spPr>
+        </p:pic>
+        <p:cxnSp>
+          <p:nvCxnSpPr>
+            <p:cNvPr id="65" name="Straight Arrow Connector 64"/>
+            <p:cNvCxnSpPr/>
+            <p:nvPr/>
+          </p:nvCxnSpPr>
+          <p:spPr>
+            <a:xfrm>
+              <a:off x="6451856" y="4540417"/>
+              <a:ext cx="0" cy="434410"/>
+            </a:xfrm>
+            <a:prstGeom prst="straightConnector1">
+              <a:avLst/>
+            </a:prstGeom>
+            <a:ln w="25400">
+              <a:solidFill>
+                <a:srgbClr val="FF0000"/>
+              </a:solidFill>
+              <a:prstDash val="sysDash"/>
+              <a:tailEnd type="arrow"/>
+            </a:ln>
+            <a:effectLst/>
+          </p:spPr>
+          <p:style>
+            <a:lnRef idx="2">
+              <a:schemeClr val="dk1"/>
+            </a:lnRef>
+            <a:fillRef idx="0">
+              <a:schemeClr val="dk1"/>
+            </a:fillRef>
+            <a:effectRef idx="1">
+              <a:schemeClr val="dk1"/>
+            </a:effectRef>
+            <a:fontRef idx="minor">
+              <a:schemeClr val="tx1"/>
+            </a:fontRef>
+          </p:style>
+        </p:cxnSp>
+        <p:cxnSp>
+          <p:nvCxnSpPr>
+            <p:cNvPr id="66" name="Straight Arrow Connector 65"/>
+            <p:cNvCxnSpPr/>
+            <p:nvPr/>
+          </p:nvCxnSpPr>
+          <p:spPr>
+            <a:xfrm>
+              <a:off x="6991940" y="4540417"/>
+              <a:ext cx="0" cy="434410"/>
+            </a:xfrm>
+            <a:prstGeom prst="straightConnector1">
+              <a:avLst/>
+            </a:prstGeom>
+            <a:ln w="25400">
+              <a:solidFill>
+                <a:srgbClr val="FF0000"/>
+              </a:solidFill>
+              <a:prstDash val="sysDash"/>
+              <a:tailEnd type="arrow"/>
+            </a:ln>
+            <a:effectLst/>
+          </p:spPr>
+          <p:style>
+            <a:lnRef idx="2">
+              <a:schemeClr val="dk1"/>
+            </a:lnRef>
+            <a:fillRef idx="0">
+              <a:schemeClr val="dk1"/>
+            </a:fillRef>
+            <a:effectRef idx="1">
+              <a:schemeClr val="dk1"/>
+            </a:effectRef>
+            <a:fontRef idx="minor">
+              <a:schemeClr val="tx1"/>
+            </a:fontRef>
+          </p:style>
+        </p:cxnSp>
+        <p:sp>
+          <p:nvSpPr>
+            <p:cNvPr id="67" name="TextBox 66"/>
+            <p:cNvSpPr txBox="1"/>
+            <p:nvPr/>
+          </p:nvSpPr>
+          <p:spPr>
+            <a:xfrm>
+              <a:off x="5957647" y="3151146"/>
+              <a:ext cx="750320" cy="712746"/>
+            </a:xfrm>
+            <a:prstGeom prst="rect">
+              <a:avLst/>
+            </a:prstGeom>
+            <a:noFill/>
+          </p:spPr>
+          <p:txBody>
+            <a:bodyPr wrap="square" rtlCol="0">
+              <a:spAutoFit/>
+            </a:bodyPr>
+            <a:lstStyle/>
+            <a:p>
+              <a:pPr algn="ctr"/>
+              <a:r>
+                <a:rPr lang="en-US" sz="1000" b="1" dirty="0" smtClean="0"/>
+                <a:t>Second  layer exposed to organic</a:t>
+              </a:r>
+              <a:endParaRPr lang="en-IN" sz="1000" b="1" dirty="0"/>
+            </a:p>
+          </p:txBody>
+        </p:sp>
+        <p:sp>
+          <p:nvSpPr>
+            <p:cNvPr id="68" name="TextBox 67"/>
+            <p:cNvSpPr txBox="1"/>
+            <p:nvPr/>
+          </p:nvSpPr>
+          <p:spPr>
+            <a:xfrm>
+              <a:off x="5422893" y="1460056"/>
+              <a:ext cx="714242" cy="557801"/>
+            </a:xfrm>
+            <a:prstGeom prst="rect">
+              <a:avLst/>
+            </a:prstGeom>
+            <a:noFill/>
+          </p:spPr>
+          <p:txBody>
+            <a:bodyPr wrap="square" rtlCol="0">
+              <a:spAutoFit/>
+            </a:bodyPr>
+            <a:lstStyle/>
+            <a:p>
+              <a:pPr algn="ctr"/>
+              <a:r>
+                <a:rPr lang="en-US" sz="1000" b="1" dirty="0" smtClean="0"/>
+                <a:t>top layer turns into PbI</a:t>
+              </a:r>
+              <a:r>
+                <a:rPr lang="en-US" sz="1000" b="1" baseline="-25000" dirty="0" smtClean="0"/>
+                <a:t>4</a:t>
+              </a:r>
+              <a:r>
+                <a:rPr lang="en-US" sz="1000" b="1" baseline="30000" dirty="0" smtClean="0"/>
+                <a:t>2-</a:t>
+              </a:r>
+              <a:endParaRPr lang="en-IN" sz="1000" b="1" baseline="30000" dirty="0"/>
+            </a:p>
+          </p:txBody>
+        </p:sp>
+        <p:cxnSp>
+          <p:nvCxnSpPr>
+            <p:cNvPr id="69" name="Straight Arrow Connector 68"/>
+            <p:cNvCxnSpPr/>
+            <p:nvPr/>
+          </p:nvCxnSpPr>
+          <p:spPr>
+            <a:xfrm>
+              <a:off x="7477821" y="4964434"/>
+              <a:ext cx="0" cy="682912"/>
+            </a:xfrm>
+            <a:prstGeom prst="straightConnector1">
+              <a:avLst/>
+            </a:prstGeom>
+            <a:ln>
+              <a:headEnd type="arrow"/>
+              <a:tailEnd type="arrow"/>
+            </a:ln>
+            <a:effectLst/>
+          </p:spPr>
+          <p:style>
+            <a:lnRef idx="2">
+              <a:schemeClr val="dk1"/>
+            </a:lnRef>
+            <a:fillRef idx="0">
+              <a:schemeClr val="dk1"/>
+            </a:fillRef>
+            <a:effectRef idx="1">
+              <a:schemeClr val="dk1"/>
+            </a:effectRef>
+            <a:fontRef idx="minor">
+              <a:schemeClr val="tx1"/>
+            </a:fontRef>
+          </p:style>
+        </p:cxnSp>
+        <p:sp>
+          <p:nvSpPr>
+            <p:cNvPr id="70" name="TextBox 69"/>
+            <p:cNvSpPr txBox="1"/>
+            <p:nvPr/>
+          </p:nvSpPr>
+          <p:spPr>
+            <a:xfrm>
+              <a:off x="6936567" y="3124200"/>
+              <a:ext cx="977142" cy="712746"/>
+            </a:xfrm>
+            <a:prstGeom prst="rect">
+              <a:avLst/>
+            </a:prstGeom>
+            <a:noFill/>
+          </p:spPr>
+          <p:txBody>
+            <a:bodyPr wrap="square" rtlCol="0">
+              <a:spAutoFit/>
+            </a:bodyPr>
+            <a:lstStyle/>
+            <a:p>
+              <a:pPr algn="ctr"/>
+              <a:r>
+                <a:rPr lang="en-US" sz="1000" dirty="0" smtClean="0"/>
+                <a:t>Organic intercalation  via interstitial spaces </a:t>
+              </a:r>
+              <a:endParaRPr lang="en-IN" sz="1000" dirty="0"/>
+            </a:p>
+          </p:txBody>
+        </p:sp>
+        <p:cxnSp>
+          <p:nvCxnSpPr>
+            <p:cNvPr id="71" name="Straight Arrow Connector 70"/>
+            <p:cNvCxnSpPr/>
+            <p:nvPr/>
+          </p:nvCxnSpPr>
+          <p:spPr>
+            <a:xfrm>
+              <a:off x="3592946" y="2071194"/>
+              <a:ext cx="387256" cy="0"/>
+            </a:xfrm>
+            <a:prstGeom prst="straightConnector1">
+              <a:avLst/>
+            </a:prstGeom>
+            <a:ln w="38100">
+              <a:solidFill>
+                <a:srgbClr val="0000FF"/>
+              </a:solidFill>
+              <a:tailEnd type="triangle"/>
+            </a:ln>
+            <a:effectLst/>
+          </p:spPr>
+          <p:style>
+            <a:lnRef idx="1">
+              <a:schemeClr val="accent1"/>
+            </a:lnRef>
+            <a:fillRef idx="0">
+              <a:schemeClr val="accent1"/>
+            </a:fillRef>
+            <a:effectRef idx="0">
+              <a:schemeClr val="accent1"/>
+            </a:effectRef>
+            <a:fontRef idx="minor">
+              <a:schemeClr val="tx1"/>
+            </a:fontRef>
+          </p:style>
+        </p:cxnSp>
+        <p:cxnSp>
+          <p:nvCxnSpPr>
+            <p:cNvPr id="72" name="Straight Arrow Connector 71"/>
+            <p:cNvCxnSpPr/>
+            <p:nvPr/>
+          </p:nvCxnSpPr>
+          <p:spPr>
+            <a:xfrm>
+              <a:off x="5584421" y="2071193"/>
+              <a:ext cx="387256" cy="0"/>
+            </a:xfrm>
+            <a:prstGeom prst="straightConnector1">
+              <a:avLst/>
+            </a:prstGeom>
+            <a:ln w="38100">
+              <a:solidFill>
+                <a:srgbClr val="0000FF"/>
+              </a:solidFill>
+              <a:tailEnd type="triangle"/>
+            </a:ln>
+            <a:effectLst/>
+          </p:spPr>
+          <p:style>
+            <a:lnRef idx="1">
+              <a:schemeClr val="accent1"/>
+            </a:lnRef>
+            <a:fillRef idx="0">
+              <a:schemeClr val="accent1"/>
+            </a:fillRef>
+            <a:effectRef idx="0">
+              <a:schemeClr val="accent1"/>
+            </a:effectRef>
+            <a:fontRef idx="minor">
+              <a:schemeClr val="tx1"/>
+            </a:fontRef>
+          </p:style>
+        </p:cxnSp>
+        <p:cxnSp>
+          <p:nvCxnSpPr>
+            <p:cNvPr id="73" name="Straight Arrow Connector 72"/>
+            <p:cNvCxnSpPr/>
+            <p:nvPr/>
+          </p:nvCxnSpPr>
+          <p:spPr>
+            <a:xfrm rot="5400000">
+              <a:off x="6555567" y="3455946"/>
+              <a:ext cx="609600" cy="1588"/>
+            </a:xfrm>
+            <a:prstGeom prst="straightConnector1">
+              <a:avLst/>
+            </a:prstGeom>
+            <a:ln w="38100">
+              <a:solidFill>
+                <a:srgbClr val="0000FF"/>
+              </a:solidFill>
+              <a:tailEnd type="triangle"/>
+            </a:ln>
+            <a:effectLst/>
+          </p:spPr>
+          <p:style>
+            <a:lnRef idx="1">
+              <a:schemeClr val="accent1"/>
+            </a:lnRef>
+            <a:fillRef idx="0">
+              <a:schemeClr val="accent1"/>
+            </a:fillRef>
+            <a:effectRef idx="0">
+              <a:schemeClr val="accent1"/>
+            </a:effectRef>
+            <a:fontRef idx="minor">
+              <a:schemeClr val="tx1"/>
+            </a:fontRef>
+          </p:style>
+        </p:cxnSp>
+        <p:cxnSp>
+          <p:nvCxnSpPr>
+            <p:cNvPr id="74" name="Straight Arrow Connector 73"/>
+            <p:cNvCxnSpPr/>
+            <p:nvPr/>
+          </p:nvCxnSpPr>
+          <p:spPr>
+            <a:xfrm>
+              <a:off x="2692238" y="4222156"/>
+              <a:ext cx="0" cy="1542494"/>
+            </a:xfrm>
+            <a:prstGeom prst="straightConnector1">
+              <a:avLst/>
+            </a:prstGeom>
+            <a:ln>
+              <a:headEnd type="arrow"/>
+              <a:tailEnd type="arrow"/>
+            </a:ln>
+            <a:effectLst/>
+          </p:spPr>
+          <p:style>
+            <a:lnRef idx="2">
+              <a:schemeClr val="dk1"/>
+            </a:lnRef>
+            <a:fillRef idx="0">
+              <a:schemeClr val="dk1"/>
+            </a:fillRef>
+            <a:effectRef idx="1">
+              <a:schemeClr val="dk1"/>
+            </a:effectRef>
+            <a:fontRef idx="minor">
+              <a:schemeClr val="tx1"/>
+            </a:fontRef>
+          </p:style>
+        </p:cxnSp>
+        <p:sp>
+          <p:nvSpPr>
+            <p:cNvPr id="75" name="TextBox 74"/>
+            <p:cNvSpPr txBox="1"/>
+            <p:nvPr/>
+          </p:nvSpPr>
+          <p:spPr>
+            <a:xfrm>
+              <a:off x="1777693" y="4840721"/>
+              <a:ext cx="802485" cy="309890"/>
+            </a:xfrm>
+            <a:prstGeom prst="rect">
+              <a:avLst/>
+            </a:prstGeom>
+            <a:noFill/>
+          </p:spPr>
+          <p:txBody>
+            <a:bodyPr wrap="none" rtlCol="0">
+              <a:spAutoFit/>
+            </a:bodyPr>
+            <a:lstStyle/>
+            <a:p>
+              <a:r>
+                <a:rPr lang="en-US" sz="1400" b="1" dirty="0" smtClean="0"/>
+                <a:t>~18.32Å</a:t>
+              </a:r>
+              <a:endParaRPr lang="en-IN" sz="1400" b="1" dirty="0"/>
+            </a:p>
+          </p:txBody>
+        </p:sp>
+        <p:sp>
+          <p:nvSpPr>
+            <p:cNvPr id="76" name="TextBox 75"/>
+            <p:cNvSpPr txBox="1"/>
+            <p:nvPr/>
+          </p:nvSpPr>
+          <p:spPr>
+            <a:xfrm>
+              <a:off x="3342178" y="6212321"/>
+              <a:ext cx="418351" cy="340879"/>
+            </a:xfrm>
+            <a:prstGeom prst="rect">
+              <a:avLst/>
+            </a:prstGeom>
+            <a:noFill/>
+          </p:spPr>
+          <p:txBody>
+            <a:bodyPr wrap="none" rtlCol="0">
+              <a:spAutoFit/>
+            </a:bodyPr>
+            <a:lstStyle/>
+            <a:p>
+              <a:r>
+                <a:rPr lang="en-US" sz="1600" b="1" dirty="0"/>
+                <a:t>(</a:t>
+              </a:r>
+              <a:r>
+                <a:rPr lang="en-US" sz="1600" b="1" dirty="0" smtClean="0"/>
+                <a:t>e)</a:t>
+              </a:r>
+              <a:endParaRPr lang="en-IN" sz="1600" b="1" dirty="0"/>
+            </a:p>
+          </p:txBody>
+        </p:sp>
+        <p:pic>
+          <p:nvPicPr>
+            <p:cNvPr id="77" name="Picture 2"/>
+            <p:cNvPicPr>
+              <a:picLocks noChangeAspect="1" noChangeArrowheads="1"/>
+            </p:cNvPicPr>
+            <p:nvPr/>
+          </p:nvPicPr>
+          <p:blipFill rotWithShape="1">
+            <a:blip r:embed="rId7" cstate="print">
+              <a:extLst>
+                <a:ext uri="{28A0092B-C50C-407E-A947-70E740481C1C}">
+                  <a14:useLocalDpi xmlns:a14="http://schemas.microsoft.com/office/drawing/2010/main" val="0"/>
+                </a:ext>
+              </a:extLst>
+            </a:blip>
+            <a:srcRect l="29399" r="36026"/>
+            <a:stretch/>
+          </p:blipFill>
+          <p:spPr bwMode="auto">
+            <a:xfrm>
+              <a:off x="2732578" y="3469121"/>
+              <a:ext cx="1763222" cy="2606463"/>
+            </a:xfrm>
+            <a:prstGeom prst="rect">
+              <a:avLst/>
+            </a:prstGeom>
+            <a:noFill/>
+            <a:ln>
+              <a:noFill/>
+            </a:ln>
+            <a:extLst>
+              <a:ext uri="{909E8E84-426E-40DD-AFC4-6F175D3DCCD1}">
+                <a14:hiddenFill xmlns:a14="http://schemas.microsoft.com/office/drawing/2010/main">
+                  <a:solidFill>
+                    <a:schemeClr val="accent1"/>
+                  </a:solidFill>
+                </a14:hiddenFill>
+              </a:ext>
+              <a:ext uri="{91240B29-F687-4F45-9708-019B960494DF}">
+                <a14:hiddenLine xmlns:a14="http://schemas.microsoft.com/office/drawing/2010/main" w="9525">
+                  <a:solidFill>
+                    <a:schemeClr val="tx1"/>
+                  </a:solidFill>
+                  <a:miter lim="800000"/>
+                  <a:headEnd/>
+                  <a:tailEnd/>
+                </a14:hiddenLine>
+              </a:ext>
+            </a:extLst>
+          </p:spPr>
+        </p:pic>
+        <p:sp>
+          <p:nvSpPr>
+            <p:cNvPr id="78" name="TextBox 77"/>
+            <p:cNvSpPr txBox="1"/>
+            <p:nvPr/>
+          </p:nvSpPr>
+          <p:spPr>
+            <a:xfrm>
+              <a:off x="4648200" y="5083314"/>
+              <a:ext cx="1066800" cy="707886"/>
+            </a:xfrm>
+            <a:prstGeom prst="rect">
+              <a:avLst/>
+            </a:prstGeom>
+            <a:noFill/>
+          </p:spPr>
+          <p:txBody>
+            <a:bodyPr wrap="square" rtlCol="0">
+              <a:spAutoFit/>
+            </a:bodyPr>
+            <a:lstStyle/>
+            <a:p>
+              <a:pPr algn="ctr"/>
+              <a:r>
+                <a:rPr lang="en-US" sz="1000" dirty="0" smtClean="0"/>
+                <a:t>Organic intercalation  via interstitial spaces </a:t>
+              </a:r>
+              <a:endParaRPr lang="en-IN" sz="1000" dirty="0"/>
+            </a:p>
+          </p:txBody>
+        </p:sp>
+        <p:sp>
+          <p:nvSpPr>
+            <p:cNvPr id="79" name="TextBox 78"/>
+            <p:cNvSpPr txBox="1"/>
+            <p:nvPr/>
+          </p:nvSpPr>
+          <p:spPr>
+            <a:xfrm>
+              <a:off x="4800600" y="4267200"/>
+              <a:ext cx="837795" cy="557801"/>
+            </a:xfrm>
+            <a:prstGeom prst="rect">
+              <a:avLst/>
+            </a:prstGeom>
+            <a:noFill/>
+          </p:spPr>
+          <p:txBody>
+            <a:bodyPr wrap="square" rtlCol="0">
+              <a:spAutoFit/>
+            </a:bodyPr>
+            <a:lstStyle/>
+            <a:p>
+              <a:pPr algn="ctr"/>
+              <a:r>
+                <a:rPr lang="en-US" sz="1000" b="1" dirty="0" smtClean="0"/>
+                <a:t>second layer turns into PbI</a:t>
+              </a:r>
+              <a:r>
+                <a:rPr lang="en-US" sz="1000" b="1" baseline="-25000" dirty="0" smtClean="0"/>
+                <a:t>4</a:t>
+              </a:r>
+              <a:r>
+                <a:rPr lang="en-US" sz="1000" b="1" baseline="30000" dirty="0" smtClean="0"/>
+                <a:t>2-</a:t>
+              </a:r>
+              <a:endParaRPr lang="en-IN" sz="1000" b="1" baseline="30000" dirty="0"/>
+            </a:p>
+          </p:txBody>
+        </p:sp>
+        <p:cxnSp>
+          <p:nvCxnSpPr>
+            <p:cNvPr id="80" name="Straight Arrow Connector 79"/>
+            <p:cNvCxnSpPr/>
+            <p:nvPr/>
+          </p:nvCxnSpPr>
+          <p:spPr>
+            <a:xfrm>
+              <a:off x="4718144" y="4951412"/>
+              <a:ext cx="768256" cy="1588"/>
+            </a:xfrm>
+            <a:prstGeom prst="straightConnector1">
+              <a:avLst/>
+            </a:prstGeom>
+            <a:ln w="38100">
+              <a:solidFill>
+                <a:srgbClr val="0000FF"/>
+              </a:solidFill>
+              <a:headEnd type="triangle"/>
+              <a:tailEnd type="none"/>
+            </a:ln>
+            <a:effectLst/>
+          </p:spPr>
+          <p:style>
+            <a:lnRef idx="1">
+              <a:schemeClr val="accent1"/>
+            </a:lnRef>
+            <a:fillRef idx="0">
+              <a:schemeClr val="accent1"/>
+            </a:fillRef>
+            <a:effectRef idx="0">
+              <a:schemeClr val="accent1"/>
+            </a:effectRef>
+            <a:fontRef idx="minor">
+              <a:schemeClr val="tx1"/>
+            </a:fontRef>
+          </p:style>
+        </p:cxnSp>
+        <p:pic>
+          <p:nvPicPr>
+            <p:cNvPr id="81" name="Picture 9"/>
+            <p:cNvPicPr>
+              <a:picLocks noChangeAspect="1" noChangeArrowheads="1"/>
+            </p:cNvPicPr>
+            <p:nvPr/>
+          </p:nvPicPr>
+          <p:blipFill rotWithShape="1">
+            <a:blip r:embed="rId8" cstate="print">
+              <a:extLst>
+                <a:ext uri="{28A0092B-C50C-407E-A947-70E740481C1C}">
+                  <a14:useLocalDpi xmlns:a14="http://schemas.microsoft.com/office/drawing/2010/main" val="0"/>
+                </a:ext>
+              </a:extLst>
+            </a:blip>
+            <a:srcRect l="35648" t="3537" r="28704"/>
+            <a:stretch/>
+          </p:blipFill>
+          <p:spPr bwMode="auto">
+            <a:xfrm>
+              <a:off x="6839449" y="5041955"/>
+              <a:ext cx="465492" cy="587732"/>
+            </a:xfrm>
+            <a:prstGeom prst="rect">
+              <a:avLst/>
+            </a:prstGeom>
+            <a:noFill/>
+            <a:ln>
+              <a:noFill/>
+            </a:ln>
+            <a:extLst>
+              <a:ext uri="{909E8E84-426E-40DD-AFC4-6F175D3DCCD1}">
+                <a14:hiddenFill xmlns:a14="http://schemas.microsoft.com/office/drawing/2010/main">
+                  <a:solidFill>
+                    <a:schemeClr val="accent1"/>
+                  </a:solidFill>
+                </a14:hiddenFill>
+              </a:ext>
+              <a:ext uri="{91240B29-F687-4F45-9708-019B960494DF}">
+                <a14:hiddenLine xmlns:a14="http://schemas.microsoft.com/office/drawing/2010/main" w="9525">
+                  <a:solidFill>
+                    <a:schemeClr val="tx1"/>
+                  </a:solidFill>
+                  <a:miter lim="800000"/>
+                  <a:headEnd/>
+                  <a:tailEnd/>
+                </a14:hiddenLine>
+              </a:ext>
+            </a:extLst>
+          </p:spPr>
+        </p:pic>
+        <p:pic>
+          <p:nvPicPr>
+            <p:cNvPr id="82" name="Picture 9"/>
+            <p:cNvPicPr>
+              <a:picLocks noChangeAspect="1" noChangeArrowheads="1"/>
+            </p:cNvPicPr>
+            <p:nvPr/>
+          </p:nvPicPr>
+          <p:blipFill rotWithShape="1">
+            <a:blip r:embed="rId8" cstate="print">
+              <a:extLst>
+                <a:ext uri="{28A0092B-C50C-407E-A947-70E740481C1C}">
+                  <a14:useLocalDpi xmlns:a14="http://schemas.microsoft.com/office/drawing/2010/main" val="0"/>
+                </a:ext>
+              </a:extLst>
+            </a:blip>
+            <a:srcRect l="35648" t="3537" r="28704"/>
+            <a:stretch/>
+          </p:blipFill>
+          <p:spPr bwMode="auto">
+            <a:xfrm>
+              <a:off x="6300896" y="5041955"/>
+              <a:ext cx="465492" cy="587732"/>
+            </a:xfrm>
+            <a:prstGeom prst="rect">
+              <a:avLst/>
+            </a:prstGeom>
+            <a:noFill/>
+            <a:ln>
+              <a:noFill/>
+            </a:ln>
+            <a:extLst>
+              <a:ext uri="{909E8E84-426E-40DD-AFC4-6F175D3DCCD1}">
+                <a14:hiddenFill xmlns:a14="http://schemas.microsoft.com/office/drawing/2010/main">
+                  <a:solidFill>
+                    <a:schemeClr val="accent1"/>
+                  </a:solidFill>
+                </a14:hiddenFill>
+              </a:ext>
+              <a:ext uri="{91240B29-F687-4F45-9708-019B960494DF}">
+                <a14:hiddenLine xmlns:a14="http://schemas.microsoft.com/office/drawing/2010/main" w="9525">
+                  <a:solidFill>
+                    <a:schemeClr val="tx1"/>
+                  </a:solidFill>
+                  <a:miter lim="800000"/>
+                  <a:headEnd/>
+                  <a:tailEnd/>
+                </a14:hiddenLine>
+              </a:ext>
+            </a:extLst>
+          </p:spPr>
+        </p:pic>
+      </p:grpSp>
     </p:spTree>
     <p:extLst>
       <p:ext uri="{BB962C8B-B14F-4D97-AF65-F5344CB8AC3E}">
